--- a/lectures/5.1Lists/lecture.pptx
+++ b/lectures/5.1Lists/lecture.pptx
@@ -206,7 +206,7 @@
           <a:p>
             <a:fld id="{248031C6-E4B0-0444-A4A8-9CCE96EC2C9C}" type="datetimeFigureOut">
               <a:rPr lang="en-GB" smtClean="0"/>
-              <a:t>30/09/2018</a:t>
+              <a:t>01/10/2018</a:t>
             </a:fld>
             <a:endParaRPr lang="en-GB"/>
           </a:p>
@@ -623,7 +623,7 @@
           <a:p>
             <a:fld id="{66665395-52C5-5E4B-BB20-CD4E0BBC9899}" type="datetimeFigureOut">
               <a:rPr lang="en-GB" smtClean="0"/>
-              <a:t>30/09/2018</a:t>
+              <a:t>01/10/2018</a:t>
             </a:fld>
             <a:endParaRPr lang="en-GB"/>
           </a:p>
@@ -823,7 +823,7 @@
           <a:p>
             <a:fld id="{66665395-52C5-5E4B-BB20-CD4E0BBC9899}" type="datetimeFigureOut">
               <a:rPr lang="en-GB" smtClean="0"/>
-              <a:t>30/09/2018</a:t>
+              <a:t>01/10/2018</a:t>
             </a:fld>
             <a:endParaRPr lang="en-GB"/>
           </a:p>
@@ -1033,7 +1033,7 @@
           <a:p>
             <a:fld id="{66665395-52C5-5E4B-BB20-CD4E0BBC9899}" type="datetimeFigureOut">
               <a:rPr lang="en-GB" smtClean="0"/>
-              <a:t>30/09/2018</a:t>
+              <a:t>01/10/2018</a:t>
             </a:fld>
             <a:endParaRPr lang="en-GB"/>
           </a:p>
@@ -1233,7 +1233,7 @@
           <a:p>
             <a:fld id="{66665395-52C5-5E4B-BB20-CD4E0BBC9899}" type="datetimeFigureOut">
               <a:rPr lang="en-GB" smtClean="0"/>
-              <a:t>30/09/2018</a:t>
+              <a:t>01/10/2018</a:t>
             </a:fld>
             <a:endParaRPr lang="en-GB"/>
           </a:p>
@@ -1509,7 +1509,7 @@
           <a:p>
             <a:fld id="{66665395-52C5-5E4B-BB20-CD4E0BBC9899}" type="datetimeFigureOut">
               <a:rPr lang="en-GB" smtClean="0"/>
-              <a:t>30/09/2018</a:t>
+              <a:t>01/10/2018</a:t>
             </a:fld>
             <a:endParaRPr lang="en-GB"/>
           </a:p>
@@ -1777,7 +1777,7 @@
           <a:p>
             <a:fld id="{66665395-52C5-5E4B-BB20-CD4E0BBC9899}" type="datetimeFigureOut">
               <a:rPr lang="en-GB" smtClean="0"/>
-              <a:t>30/09/2018</a:t>
+              <a:t>01/10/2018</a:t>
             </a:fld>
             <a:endParaRPr lang="en-GB"/>
           </a:p>
@@ -2192,7 +2192,7 @@
           <a:p>
             <a:fld id="{66665395-52C5-5E4B-BB20-CD4E0BBC9899}" type="datetimeFigureOut">
               <a:rPr lang="en-GB" smtClean="0"/>
-              <a:t>30/09/2018</a:t>
+              <a:t>01/10/2018</a:t>
             </a:fld>
             <a:endParaRPr lang="en-GB"/>
           </a:p>
@@ -2334,7 +2334,7 @@
           <a:p>
             <a:fld id="{66665395-52C5-5E4B-BB20-CD4E0BBC9899}" type="datetimeFigureOut">
               <a:rPr lang="en-GB" smtClean="0"/>
-              <a:t>30/09/2018</a:t>
+              <a:t>01/10/2018</a:t>
             </a:fld>
             <a:endParaRPr lang="en-GB"/>
           </a:p>
@@ -2447,7 +2447,7 @@
           <a:p>
             <a:fld id="{66665395-52C5-5E4B-BB20-CD4E0BBC9899}" type="datetimeFigureOut">
               <a:rPr lang="en-GB" smtClean="0"/>
-              <a:t>30/09/2018</a:t>
+              <a:t>01/10/2018</a:t>
             </a:fld>
             <a:endParaRPr lang="en-GB"/>
           </a:p>
@@ -2760,7 +2760,7 @@
           <a:p>
             <a:fld id="{66665395-52C5-5E4B-BB20-CD4E0BBC9899}" type="datetimeFigureOut">
               <a:rPr lang="en-GB" smtClean="0"/>
-              <a:t>30/09/2018</a:t>
+              <a:t>01/10/2018</a:t>
             </a:fld>
             <a:endParaRPr lang="en-GB"/>
           </a:p>
@@ -3049,7 +3049,7 @@
           <a:p>
             <a:fld id="{66665395-52C5-5E4B-BB20-CD4E0BBC9899}" type="datetimeFigureOut">
               <a:rPr lang="en-GB" smtClean="0"/>
-              <a:t>30/09/2018</a:t>
+              <a:t>01/10/2018</a:t>
             </a:fld>
             <a:endParaRPr lang="en-GB"/>
           </a:p>
@@ -3292,7 +3292,7 @@
           <a:p>
             <a:fld id="{66665395-52C5-5E4B-BB20-CD4E0BBC9899}" type="datetimeFigureOut">
               <a:rPr lang="en-GB" smtClean="0"/>
-              <a:t>30/09/2018</a:t>
+              <a:t>01/10/2018</a:t>
             </a:fld>
             <a:endParaRPr lang="en-GB"/>
           </a:p>
@@ -13479,7 +13479,7 @@
                 <a:ea typeface="DejaVu Sans Book" panose="020B0603030804020204" pitchFamily="34" charset="0"/>
                 <a:cs typeface="DejaVu Sans Book" panose="020B0603030804020204" pitchFamily="34" charset="0"/>
               </a:rPr>
-              <a:t> con elm = </a:t>
+              <a:t> </a:t>
             </a:r>
             <a:r>
               <a:rPr lang="da-DK" sz="1400" dirty="0" err="1">
@@ -13495,6 +13495,22 @@
                 <a:ea typeface="DejaVu Sans Book" panose="020B0603030804020204" pitchFamily="34" charset="0"/>
                 <a:cs typeface="DejaVu Sans Book" panose="020B0603030804020204" pitchFamily="34" charset="0"/>
               </a:rPr>
+              <a:t> elm = </a:t>
+            </a:r>
+            <a:r>
+              <a:rPr lang="da-DK" sz="1400" dirty="0" err="1">
+                <a:latin typeface="DejaVu Sans Book" panose="020B0603030804020204" pitchFamily="34" charset="0"/>
+                <a:ea typeface="DejaVu Sans Book" panose="020B0603030804020204" pitchFamily="34" charset="0"/>
+                <a:cs typeface="DejaVu Sans Book" panose="020B0603030804020204" pitchFamily="34" charset="0"/>
+              </a:rPr>
+              <a:t>acc</a:t>
+            </a:r>
+            <a:r>
+              <a:rPr lang="da-DK" sz="1400" dirty="0">
+                <a:latin typeface="DejaVu Sans Book" panose="020B0603030804020204" pitchFamily="34" charset="0"/>
+                <a:ea typeface="DejaVu Sans Book" panose="020B0603030804020204" pitchFamily="34" charset="0"/>
+                <a:cs typeface="DejaVu Sans Book" panose="020B0603030804020204" pitchFamily="34" charset="0"/>
+              </a:rPr>
               <a:t> + (</a:t>
             </a:r>
             <a:r>
@@ -13537,7 +13553,23 @@
                 <a:ea typeface="DejaVu Sans Book" panose="020B0603030804020204" pitchFamily="34" charset="0"/>
                 <a:cs typeface="DejaVu Sans Book" panose="020B0603030804020204" pitchFamily="34" charset="0"/>
               </a:rPr>
-              <a:t> con "" a;;                </a:t>
+              <a:t> </a:t>
+            </a:r>
+            <a:r>
+              <a:rPr lang="da-DK" sz="1400">
+                <a:latin typeface="DejaVu Sans Book" panose="020B0603030804020204" pitchFamily="34" charset="0"/>
+                <a:ea typeface="DejaVu Sans Book" panose="020B0603030804020204" pitchFamily="34" charset="0"/>
+                <a:cs typeface="DejaVu Sans Book" panose="020B0603030804020204" pitchFamily="34" charset="0"/>
+              </a:rPr>
+              <a:t>app </a:t>
+            </a:r>
+            <a:r>
+              <a:rPr lang="da-DK" sz="1400" dirty="0">
+                <a:latin typeface="DejaVu Sans Book" panose="020B0603030804020204" pitchFamily="34" charset="0"/>
+                <a:ea typeface="DejaVu Sans Book" panose="020B0603030804020204" pitchFamily="34" charset="0"/>
+                <a:cs typeface="DejaVu Sans Book" panose="020B0603030804020204" pitchFamily="34" charset="0"/>
+              </a:rPr>
+              <a:t>"" a;;                </a:t>
             </a:r>
           </a:p>
           <a:p>
